--- a/wikiPPT-HoM(170531).pptx
+++ b/wikiPPT-HoM(170531).pptx
@@ -13,7 +13,7 @@
     <p:sldId id="275" r:id="rId4"/>
     <p:sldId id="276" r:id="rId5"/>
     <p:sldId id="277" r:id="rId6"/>
-    <p:sldId id="264" r:id="rId7"/>
+    <p:sldId id="295" r:id="rId7"/>
     <p:sldId id="278" r:id="rId8"/>
     <p:sldId id="279" r:id="rId9"/>
     <p:sldId id="282" r:id="rId10"/>
@@ -632,6 +632,90 @@
           <a:bodyPr/>
           <a:lstStyle/>
           <a:p>
+            <a:fld id="{09ACAA39-8E18-4D3C-A4C6-83FB183B013A}" type="slidenum">
+              <a:rPr lang="ko-KR" altLang="en-US" smtClean="0"/>
+              <a:t>15</a:t>
+            </a:fld>
+            <a:endParaRPr lang="ko-KR" altLang="en-US"/>
+          </a:p>
+        </p:txBody>
+      </p:sp>
+    </p:spTree>
+    <p:extLst>
+      <p:ext uri="{BB962C8B-B14F-4D97-AF65-F5344CB8AC3E}">
+        <p14:creationId xmlns:p14="http://schemas.microsoft.com/office/powerpoint/2010/main" val="806124317"/>
+      </p:ext>
+    </p:extLst>
+  </p:cSld>
+  <p:clrMapOvr>
+    <a:masterClrMapping/>
+  </p:clrMapOvr>
+</p:notes>
+</file>
+
+<file path=ppt/notesSlides/notesSlide11.xml><?xml version="1.0" encoding="utf-8"?>
+<p:notes xmlns:a="http://schemas.openxmlformats.org/drawingml/2006/main" xmlns:r="http://schemas.openxmlformats.org/officeDocument/2006/relationships" xmlns:p="http://schemas.openxmlformats.org/presentationml/2006/main">
+  <p:cSld>
+    <p:spTree>
+      <p:nvGrpSpPr>
+        <p:cNvPr id="1" name=""/>
+        <p:cNvGrpSpPr/>
+        <p:nvPr/>
+      </p:nvGrpSpPr>
+      <p:grpSpPr>
+        <a:xfrm>
+          <a:off x="0" y="0"/>
+          <a:ext cx="0" cy="0"/>
+          <a:chOff x="0" y="0"/>
+          <a:chExt cx="0" cy="0"/>
+        </a:xfrm>
+      </p:grpSpPr>
+      <p:sp>
+        <p:nvSpPr>
+          <p:cNvPr id="2" name="슬라이드 이미지 개체 틀 1"/>
+          <p:cNvSpPr>
+            <a:spLocks noGrp="1" noRot="1" noChangeAspect="1"/>
+          </p:cNvSpPr>
+          <p:nvPr>
+            <p:ph type="sldImg"/>
+          </p:nvPr>
+        </p:nvSpPr>
+        <p:spPr/>
+      </p:sp>
+      <p:sp>
+        <p:nvSpPr>
+          <p:cNvPr id="3" name="슬라이드 노트 개체 틀 2"/>
+          <p:cNvSpPr>
+            <a:spLocks noGrp="1"/>
+          </p:cNvSpPr>
+          <p:nvPr>
+            <p:ph type="body" idx="1"/>
+          </p:nvPr>
+        </p:nvSpPr>
+        <p:spPr/>
+        <p:txBody>
+          <a:bodyPr/>
+          <a:lstStyle/>
+          <a:p>
+            <a:endParaRPr lang="ko-KR" altLang="en-US" dirty="0"/>
+          </a:p>
+        </p:txBody>
+      </p:sp>
+      <p:sp>
+        <p:nvSpPr>
+          <p:cNvPr id="4" name="슬라이드 번호 개체 틀 3"/>
+          <p:cNvSpPr>
+            <a:spLocks noGrp="1"/>
+          </p:cNvSpPr>
+          <p:nvPr>
+            <p:ph type="sldNum" sz="quarter" idx="10"/>
+          </p:nvPr>
+        </p:nvSpPr>
+        <p:spPr/>
+        <p:txBody>
+          <a:bodyPr/>
+          <a:lstStyle/>
+          <a:p>
             <a:fld id="{1B7F0C03-982D-43FB-8182-A6823DC2F0F4}" type="slidenum">
               <a:rPr lang="ko-KR" altLang="en-US" smtClean="0"/>
               <a:t>16</a:t>
@@ -653,7 +737,7 @@
 </p:notes>
 </file>
 
-<file path=ppt/notesSlides/notesSlide11.xml><?xml version="1.0" encoding="utf-8"?>
+<file path=ppt/notesSlides/notesSlide12.xml><?xml version="1.0" encoding="utf-8"?>
 <p:notes xmlns:a="http://schemas.openxmlformats.org/drawingml/2006/main" xmlns:r="http://schemas.openxmlformats.org/officeDocument/2006/relationships" xmlns:p="http://schemas.openxmlformats.org/presentationml/2006/main">
   <p:cSld>
     <p:spTree>
@@ -865,6 +949,128 @@
           <a:bodyPr/>
           <a:lstStyle/>
           <a:p>
+            <a:pPr marL="0" marR="0" lvl="0" indent="0" algn="l" defTabSz="914400" rtl="0" eaLnBrk="1" fontAlgn="auto" latinLnBrk="1" hangingPunct="1">
+              <a:lnSpc>
+                <a:spcPct val="100000"/>
+              </a:lnSpc>
+              <a:spcBef>
+                <a:spcPts val="0"/>
+              </a:spcBef>
+              <a:spcAft>
+                <a:spcPts val="0"/>
+              </a:spcAft>
+              <a:buClrTx/>
+              <a:buSzTx/>
+              <a:buFontTx/>
+              <a:buNone/>
+              <a:tabLst/>
+              <a:defRPr/>
+            </a:pPr>
+            <a:r>
+              <a:rPr lang="ko-KR" altLang="en-US" dirty="0"/>
+              <a:t>종류가 다양해서 사용하기 어렵다</a:t>
+            </a:r>
+            <a:r>
+              <a:rPr lang="en-US" altLang="ko-KR" dirty="0"/>
+              <a:t>.</a:t>
+            </a:r>
+          </a:p>
+          <a:p>
+            <a:r>
+              <a:rPr lang="ko-KR" altLang="en-US" dirty="0"/>
+              <a:t>또한 센서</a:t>
+            </a:r>
+            <a:r>
+              <a:rPr lang="ko-KR" altLang="en-US" baseline="0" dirty="0"/>
+              <a:t> 데이터들이 통합되지 않다</a:t>
+            </a:r>
+            <a:r>
+              <a:rPr lang="en-US" altLang="ko-KR" baseline="0" dirty="0"/>
+              <a:t>.</a:t>
+            </a:r>
+          </a:p>
+        </p:txBody>
+      </p:sp>
+      <p:sp>
+        <p:nvSpPr>
+          <p:cNvPr id="4" name="슬라이드 번호 개체 틀 3"/>
+          <p:cNvSpPr>
+            <a:spLocks noGrp="1"/>
+          </p:cNvSpPr>
+          <p:nvPr>
+            <p:ph type="sldNum" sz="quarter" idx="10"/>
+          </p:nvPr>
+        </p:nvSpPr>
+        <p:spPr/>
+        <p:txBody>
+          <a:bodyPr/>
+          <a:lstStyle/>
+          <a:p>
+            <a:fld id="{1B7F0C03-982D-43FB-8182-A6823DC2F0F4}" type="slidenum">
+              <a:rPr lang="ko-KR" altLang="en-US" smtClean="0"/>
+              <a:t>6</a:t>
+            </a:fld>
+            <a:endParaRPr lang="ko-KR" altLang="en-US"/>
+          </a:p>
+        </p:txBody>
+      </p:sp>
+    </p:spTree>
+    <p:extLst>
+      <p:ext uri="{BB962C8B-B14F-4D97-AF65-F5344CB8AC3E}">
+        <p14:creationId xmlns:p14="http://schemas.microsoft.com/office/powerpoint/2010/main" val="1146351143"/>
+      </p:ext>
+    </p:extLst>
+  </p:cSld>
+  <p:clrMapOvr>
+    <a:masterClrMapping/>
+  </p:clrMapOvr>
+</p:notes>
+</file>
+
+<file path=ppt/notesSlides/notesSlide4.xml><?xml version="1.0" encoding="utf-8"?>
+<p:notes xmlns:a="http://schemas.openxmlformats.org/drawingml/2006/main" xmlns:r="http://schemas.openxmlformats.org/officeDocument/2006/relationships" xmlns:p="http://schemas.openxmlformats.org/presentationml/2006/main">
+  <p:cSld>
+    <p:spTree>
+      <p:nvGrpSpPr>
+        <p:cNvPr id="1" name=""/>
+        <p:cNvGrpSpPr/>
+        <p:nvPr/>
+      </p:nvGrpSpPr>
+      <p:grpSpPr>
+        <a:xfrm>
+          <a:off x="0" y="0"/>
+          <a:ext cx="0" cy="0"/>
+          <a:chOff x="0" y="0"/>
+          <a:chExt cx="0" cy="0"/>
+        </a:xfrm>
+      </p:grpSpPr>
+      <p:sp>
+        <p:nvSpPr>
+          <p:cNvPr id="2" name="슬라이드 이미지 개체 틀 1"/>
+          <p:cNvSpPr>
+            <a:spLocks noGrp="1" noRot="1" noChangeAspect="1"/>
+          </p:cNvSpPr>
+          <p:nvPr>
+            <p:ph type="sldImg"/>
+          </p:nvPr>
+        </p:nvSpPr>
+        <p:spPr/>
+      </p:sp>
+      <p:sp>
+        <p:nvSpPr>
+          <p:cNvPr id="3" name="슬라이드 노트 개체 틀 2"/>
+          <p:cNvSpPr>
+            <a:spLocks noGrp="1"/>
+          </p:cNvSpPr>
+          <p:nvPr>
+            <p:ph type="body" idx="1"/>
+          </p:nvPr>
+        </p:nvSpPr>
+        <p:spPr/>
+        <p:txBody>
+          <a:bodyPr/>
+          <a:lstStyle/>
+          <a:p>
             <a:endParaRPr lang="en-US" altLang="ko-KR" dirty="0"/>
           </a:p>
         </p:txBody>
@@ -905,7 +1111,7 @@
 </p:notes>
 </file>
 
-<file path=ppt/notesSlides/notesSlide4.xml><?xml version="1.0" encoding="utf-8"?>
+<file path=ppt/notesSlides/notesSlide5.xml><?xml version="1.0" encoding="utf-8"?>
 <p:notes xmlns:a="http://schemas.openxmlformats.org/drawingml/2006/main" xmlns:r="http://schemas.openxmlformats.org/officeDocument/2006/relationships" xmlns:p="http://schemas.openxmlformats.org/presentationml/2006/main">
   <p:cSld>
     <p:spTree>
@@ -989,7 +1195,7 @@
 </p:notes>
 </file>
 
-<file path=ppt/notesSlides/notesSlide5.xml><?xml version="1.0" encoding="utf-8"?>
+<file path=ppt/notesSlides/notesSlide6.xml><?xml version="1.0" encoding="utf-8"?>
 <p:notes xmlns:a="http://schemas.openxmlformats.org/drawingml/2006/main" xmlns:r="http://schemas.openxmlformats.org/officeDocument/2006/relationships" xmlns:p="http://schemas.openxmlformats.org/presentationml/2006/main">
   <p:cSld>
     <p:spTree>
@@ -1073,7 +1279,7 @@
 </p:notes>
 </file>
 
-<file path=ppt/notesSlides/notesSlide6.xml><?xml version="1.0" encoding="utf-8"?>
+<file path=ppt/notesSlides/notesSlide7.xml><?xml version="1.0" encoding="utf-8"?>
 <p:notes xmlns:a="http://schemas.openxmlformats.org/drawingml/2006/main" xmlns:r="http://schemas.openxmlformats.org/officeDocument/2006/relationships" xmlns:p="http://schemas.openxmlformats.org/presentationml/2006/main">
   <p:cSld>
     <p:spTree>
@@ -1174,7 +1380,7 @@
 </p:notes>
 </file>
 
-<file path=ppt/notesSlides/notesSlide7.xml><?xml version="1.0" encoding="utf-8"?>
+<file path=ppt/notesSlides/notesSlide8.xml><?xml version="1.0" encoding="utf-8"?>
 <p:notes xmlns:a="http://schemas.openxmlformats.org/drawingml/2006/main" xmlns:r="http://schemas.openxmlformats.org/officeDocument/2006/relationships" xmlns:p="http://schemas.openxmlformats.org/presentationml/2006/main">
   <p:cSld>
     <p:spTree>
@@ -1258,7 +1464,7 @@
 </p:notes>
 </file>
 
-<file path=ppt/notesSlides/notesSlide8.xml><?xml version="1.0" encoding="utf-8"?>
+<file path=ppt/notesSlides/notesSlide9.xml><?xml version="1.0" encoding="utf-8"?>
 <p:notes xmlns:a="http://schemas.openxmlformats.org/drawingml/2006/main" xmlns:r="http://schemas.openxmlformats.org/officeDocument/2006/relationships" xmlns:p="http://schemas.openxmlformats.org/presentationml/2006/main">
   <p:cSld>
     <p:spTree>
@@ -1333,90 +1539,6 @@
     <p:extLst>
       <p:ext uri="{BB962C8B-B14F-4D97-AF65-F5344CB8AC3E}">
         <p14:creationId xmlns:p14="http://schemas.microsoft.com/office/powerpoint/2010/main" val="1920391736"/>
-      </p:ext>
-    </p:extLst>
-  </p:cSld>
-  <p:clrMapOvr>
-    <a:masterClrMapping/>
-  </p:clrMapOvr>
-</p:notes>
-</file>
-
-<file path=ppt/notesSlides/notesSlide9.xml><?xml version="1.0" encoding="utf-8"?>
-<p:notes xmlns:a="http://schemas.openxmlformats.org/drawingml/2006/main" xmlns:r="http://schemas.openxmlformats.org/officeDocument/2006/relationships" xmlns:p="http://schemas.openxmlformats.org/presentationml/2006/main">
-  <p:cSld>
-    <p:spTree>
-      <p:nvGrpSpPr>
-        <p:cNvPr id="1" name=""/>
-        <p:cNvGrpSpPr/>
-        <p:nvPr/>
-      </p:nvGrpSpPr>
-      <p:grpSpPr>
-        <a:xfrm>
-          <a:off x="0" y="0"/>
-          <a:ext cx="0" cy="0"/>
-          <a:chOff x="0" y="0"/>
-          <a:chExt cx="0" cy="0"/>
-        </a:xfrm>
-      </p:grpSpPr>
-      <p:sp>
-        <p:nvSpPr>
-          <p:cNvPr id="2" name="슬라이드 이미지 개체 틀 1"/>
-          <p:cNvSpPr>
-            <a:spLocks noGrp="1" noRot="1" noChangeAspect="1"/>
-          </p:cNvSpPr>
-          <p:nvPr>
-            <p:ph type="sldImg"/>
-          </p:nvPr>
-        </p:nvSpPr>
-        <p:spPr/>
-      </p:sp>
-      <p:sp>
-        <p:nvSpPr>
-          <p:cNvPr id="3" name="슬라이드 노트 개체 틀 2"/>
-          <p:cNvSpPr>
-            <a:spLocks noGrp="1"/>
-          </p:cNvSpPr>
-          <p:nvPr>
-            <p:ph type="body" idx="1"/>
-          </p:nvPr>
-        </p:nvSpPr>
-        <p:spPr/>
-        <p:txBody>
-          <a:bodyPr/>
-          <a:lstStyle/>
-          <a:p>
-            <a:endParaRPr lang="ko-KR" altLang="en-US" dirty="0"/>
-          </a:p>
-        </p:txBody>
-      </p:sp>
-      <p:sp>
-        <p:nvSpPr>
-          <p:cNvPr id="4" name="슬라이드 번호 개체 틀 3"/>
-          <p:cNvSpPr>
-            <a:spLocks noGrp="1"/>
-          </p:cNvSpPr>
-          <p:nvPr>
-            <p:ph type="sldNum" sz="quarter" idx="10"/>
-          </p:nvPr>
-        </p:nvSpPr>
-        <p:spPr/>
-        <p:txBody>
-          <a:bodyPr/>
-          <a:lstStyle/>
-          <a:p>
-            <a:fld id="{09ACAA39-8E18-4D3C-A4C6-83FB183B013A}" type="slidenum">
-              <a:rPr lang="ko-KR" altLang="en-US" smtClean="0"/>
-              <a:t>15</a:t>
-            </a:fld>
-            <a:endParaRPr lang="ko-KR" altLang="en-US"/>
-          </a:p>
-        </p:txBody>
-      </p:sp>
-    </p:spTree>
-    <p:extLst>
-      <p:ext uri="{BB962C8B-B14F-4D97-AF65-F5344CB8AC3E}">
-        <p14:creationId xmlns:p14="http://schemas.microsoft.com/office/powerpoint/2010/main" val="806124317"/>
       </p:ext>
     </p:extLst>
   </p:cSld>
@@ -13364,28 +13486,28 @@
                 <a:gridCol w="799268">
                   <a:extLst>
                     <a:ext uri="{9D8B030D-6E8A-4147-A177-3AD203B41FA5}">
-                      <a16:colId xmlns:a16="http://schemas.microsoft.com/office/drawing/2014/main" xmlns="" val="1791877956"/>
+                      <a16:colId xmlns="" xmlns:a16="http://schemas.microsoft.com/office/drawing/2014/main" val="1791877956"/>
                     </a:ext>
                   </a:extLst>
                 </a:gridCol>
                 <a:gridCol w="841493">
                   <a:extLst>
                     <a:ext uri="{9D8B030D-6E8A-4147-A177-3AD203B41FA5}">
-                      <a16:colId xmlns:a16="http://schemas.microsoft.com/office/drawing/2014/main" xmlns="" val="3145235633"/>
+                      <a16:colId xmlns="" xmlns:a16="http://schemas.microsoft.com/office/drawing/2014/main" val="3145235633"/>
                     </a:ext>
                   </a:extLst>
                 </a:gridCol>
                 <a:gridCol w="859590">
                   <a:extLst>
                     <a:ext uri="{9D8B030D-6E8A-4147-A177-3AD203B41FA5}">
-                      <a16:colId xmlns:a16="http://schemas.microsoft.com/office/drawing/2014/main" xmlns="" val="2056164865"/>
+                      <a16:colId xmlns="" xmlns:a16="http://schemas.microsoft.com/office/drawing/2014/main" val="2056164865"/>
                     </a:ext>
                   </a:extLst>
                 </a:gridCol>
                 <a:gridCol w="814348">
                   <a:extLst>
                     <a:ext uri="{9D8B030D-6E8A-4147-A177-3AD203B41FA5}">
-                      <a16:colId xmlns:a16="http://schemas.microsoft.com/office/drawing/2014/main" xmlns="" val="1026849142"/>
+                      <a16:colId xmlns="" xmlns:a16="http://schemas.microsoft.com/office/drawing/2014/main" val="1026849142"/>
                     </a:ext>
                   </a:extLst>
                 </a:gridCol>
@@ -13475,7 +13597,7 @@
                 </a:tc>
                 <a:extLst>
                   <a:ext uri="{0D108BD9-81ED-4DB2-BD59-A6C34878D82A}">
-                    <a16:rowId xmlns:a16="http://schemas.microsoft.com/office/drawing/2014/main" xmlns="" val="1688873705"/>
+                    <a16:rowId xmlns="" xmlns:a16="http://schemas.microsoft.com/office/drawing/2014/main" val="1688873705"/>
                   </a:ext>
                 </a:extLst>
               </a:tr>
@@ -13632,7 +13754,7 @@
                 </a:tc>
                 <a:extLst>
                   <a:ext uri="{0D108BD9-81ED-4DB2-BD59-A6C34878D82A}">
-                    <a16:rowId xmlns:a16="http://schemas.microsoft.com/office/drawing/2014/main" xmlns="" val="3177591768"/>
+                    <a16:rowId xmlns="" xmlns:a16="http://schemas.microsoft.com/office/drawing/2014/main" val="3177591768"/>
                   </a:ext>
                 </a:extLst>
               </a:tr>
@@ -13741,7 +13863,7 @@
                 </a:tc>
                 <a:extLst>
                   <a:ext uri="{0D108BD9-81ED-4DB2-BD59-A6C34878D82A}">
-                    <a16:rowId xmlns:a16="http://schemas.microsoft.com/office/drawing/2014/main" xmlns="" val="716900019"/>
+                    <a16:rowId xmlns="" xmlns:a16="http://schemas.microsoft.com/office/drawing/2014/main" val="716900019"/>
                   </a:ext>
                 </a:extLst>
               </a:tr>
@@ -13850,7 +13972,7 @@
                 </a:tc>
                 <a:extLst>
                   <a:ext uri="{0D108BD9-81ED-4DB2-BD59-A6C34878D82A}">
-                    <a16:rowId xmlns:a16="http://schemas.microsoft.com/office/drawing/2014/main" xmlns="" val="600339097"/>
+                    <a16:rowId xmlns="" xmlns:a16="http://schemas.microsoft.com/office/drawing/2014/main" val="600339097"/>
                   </a:ext>
                 </a:extLst>
               </a:tr>
@@ -13959,7 +14081,7 @@
                 </a:tc>
                 <a:extLst>
                   <a:ext uri="{0D108BD9-81ED-4DB2-BD59-A6C34878D82A}">
-                    <a16:rowId xmlns:a16="http://schemas.microsoft.com/office/drawing/2014/main" xmlns="" val="2124940928"/>
+                    <a16:rowId xmlns="" xmlns:a16="http://schemas.microsoft.com/office/drawing/2014/main" val="2124940928"/>
                   </a:ext>
                 </a:extLst>
               </a:tr>
@@ -13991,21 +14113,21 @@
                 <a:gridCol w="883701">
                   <a:extLst>
                     <a:ext uri="{9D8B030D-6E8A-4147-A177-3AD203B41FA5}">
-                      <a16:colId xmlns:a16="http://schemas.microsoft.com/office/drawing/2014/main" xmlns="" val="692193656"/>
+                      <a16:colId xmlns="" xmlns:a16="http://schemas.microsoft.com/office/drawing/2014/main" val="692193656"/>
                     </a:ext>
                   </a:extLst>
                 </a:gridCol>
                 <a:gridCol w="902705">
                   <a:extLst>
                     <a:ext uri="{9D8B030D-6E8A-4147-A177-3AD203B41FA5}">
-                      <a16:colId xmlns:a16="http://schemas.microsoft.com/office/drawing/2014/main" xmlns="" val="707334222"/>
+                      <a16:colId xmlns="" xmlns:a16="http://schemas.microsoft.com/office/drawing/2014/main" val="707334222"/>
                     </a:ext>
                   </a:extLst>
                 </a:gridCol>
                 <a:gridCol w="855194">
                   <a:extLst>
                     <a:ext uri="{9D8B030D-6E8A-4147-A177-3AD203B41FA5}">
-                      <a16:colId xmlns:a16="http://schemas.microsoft.com/office/drawing/2014/main" xmlns="" val="3408138251"/>
+                      <a16:colId xmlns="" xmlns:a16="http://schemas.microsoft.com/office/drawing/2014/main" val="3408138251"/>
                     </a:ext>
                   </a:extLst>
                 </a:gridCol>
@@ -14065,7 +14187,7 @@
                 </a:tc>
                 <a:extLst>
                   <a:ext uri="{0D108BD9-81ED-4DB2-BD59-A6C34878D82A}">
-                    <a16:rowId xmlns:a16="http://schemas.microsoft.com/office/drawing/2014/main" xmlns="" val="3481317367"/>
+                    <a16:rowId xmlns="" xmlns:a16="http://schemas.microsoft.com/office/drawing/2014/main" val="3481317367"/>
                   </a:ext>
                 </a:extLst>
               </a:tr>
@@ -14192,7 +14314,7 @@
                 </a:tc>
                 <a:extLst>
                   <a:ext uri="{0D108BD9-81ED-4DB2-BD59-A6C34878D82A}">
-                    <a16:rowId xmlns:a16="http://schemas.microsoft.com/office/drawing/2014/main" xmlns="" val="584885478"/>
+                    <a16:rowId xmlns="" xmlns:a16="http://schemas.microsoft.com/office/drawing/2014/main" val="584885478"/>
                   </a:ext>
                 </a:extLst>
               </a:tr>
@@ -14271,7 +14393,7 @@
                 </a:tc>
                 <a:extLst>
                   <a:ext uri="{0D108BD9-81ED-4DB2-BD59-A6C34878D82A}">
-                    <a16:rowId xmlns:a16="http://schemas.microsoft.com/office/drawing/2014/main" xmlns="" val="2062444426"/>
+                    <a16:rowId xmlns="" xmlns:a16="http://schemas.microsoft.com/office/drawing/2014/main" val="2062444426"/>
                   </a:ext>
                 </a:extLst>
               </a:tr>
@@ -14350,7 +14472,7 @@
                 </a:tc>
                 <a:extLst>
                   <a:ext uri="{0D108BD9-81ED-4DB2-BD59-A6C34878D82A}">
-                    <a16:rowId xmlns:a16="http://schemas.microsoft.com/office/drawing/2014/main" xmlns="" val="3766216543"/>
+                    <a16:rowId xmlns="" xmlns:a16="http://schemas.microsoft.com/office/drawing/2014/main" val="3766216543"/>
                   </a:ext>
                 </a:extLst>
               </a:tr>
@@ -14429,7 +14551,7 @@
                 </a:tc>
                 <a:extLst>
                   <a:ext uri="{0D108BD9-81ED-4DB2-BD59-A6C34878D82A}">
-                    <a16:rowId xmlns:a16="http://schemas.microsoft.com/office/drawing/2014/main" xmlns="" val="1174961456"/>
+                    <a16:rowId xmlns="" xmlns:a16="http://schemas.microsoft.com/office/drawing/2014/main" val="1174961456"/>
                   </a:ext>
                 </a:extLst>
               </a:tr>
@@ -14499,35 +14621,35 @@
                 <a:gridCol w="594646">
                   <a:extLst>
                     <a:ext uri="{9D8B030D-6E8A-4147-A177-3AD203B41FA5}">
-                      <a16:colId xmlns:a16="http://schemas.microsoft.com/office/drawing/2014/main" xmlns="" val="991176402"/>
+                      <a16:colId xmlns="" xmlns:a16="http://schemas.microsoft.com/office/drawing/2014/main" val="991176402"/>
                     </a:ext>
                   </a:extLst>
                 </a:gridCol>
                 <a:gridCol w="807819">
                   <a:extLst>
                     <a:ext uri="{9D8B030D-6E8A-4147-A177-3AD203B41FA5}">
-                      <a16:colId xmlns:a16="http://schemas.microsoft.com/office/drawing/2014/main" xmlns="" val="720922503"/>
+                      <a16:colId xmlns="" xmlns:a16="http://schemas.microsoft.com/office/drawing/2014/main" val="720922503"/>
                     </a:ext>
                   </a:extLst>
                 </a:gridCol>
                 <a:gridCol w="830259">
                   <a:extLst>
                     <a:ext uri="{9D8B030D-6E8A-4147-A177-3AD203B41FA5}">
-                      <a16:colId xmlns:a16="http://schemas.microsoft.com/office/drawing/2014/main" xmlns="" val="2611318187"/>
+                      <a16:colId xmlns="" xmlns:a16="http://schemas.microsoft.com/office/drawing/2014/main" val="2611318187"/>
                     </a:ext>
                   </a:extLst>
                 </a:gridCol>
                 <a:gridCol w="819039">
                   <a:extLst>
                     <a:ext uri="{9D8B030D-6E8A-4147-A177-3AD203B41FA5}">
-                      <a16:colId xmlns:a16="http://schemas.microsoft.com/office/drawing/2014/main" xmlns="" val="3719759559"/>
+                      <a16:colId xmlns="" xmlns:a16="http://schemas.microsoft.com/office/drawing/2014/main" val="3719759559"/>
                     </a:ext>
                   </a:extLst>
                 </a:gridCol>
                 <a:gridCol w="819039">
                   <a:extLst>
                     <a:ext uri="{9D8B030D-6E8A-4147-A177-3AD203B41FA5}">
-                      <a16:colId xmlns:a16="http://schemas.microsoft.com/office/drawing/2014/main" xmlns="" val="1870581130"/>
+                      <a16:colId xmlns="" xmlns:a16="http://schemas.microsoft.com/office/drawing/2014/main" val="1870581130"/>
                     </a:ext>
                   </a:extLst>
                 </a:gridCol>
@@ -14647,7 +14769,7 @@
                 </a:tc>
                 <a:extLst>
                   <a:ext uri="{0D108BD9-81ED-4DB2-BD59-A6C34878D82A}">
-                    <a16:rowId xmlns:a16="http://schemas.microsoft.com/office/drawing/2014/main" xmlns="" val="1555478076"/>
+                    <a16:rowId xmlns="" xmlns:a16="http://schemas.microsoft.com/office/drawing/2014/main" val="1555478076"/>
                   </a:ext>
                 </a:extLst>
               </a:tr>
@@ -14804,7 +14926,7 @@
                 </a:tc>
                 <a:extLst>
                   <a:ext uri="{0D108BD9-81ED-4DB2-BD59-A6C34878D82A}">
-                    <a16:rowId xmlns:a16="http://schemas.microsoft.com/office/drawing/2014/main" xmlns="" val="3332865010"/>
+                    <a16:rowId xmlns="" xmlns:a16="http://schemas.microsoft.com/office/drawing/2014/main" val="3332865010"/>
                   </a:ext>
                 </a:extLst>
               </a:tr>
@@ -14943,7 +15065,7 @@
                 </a:tc>
                 <a:extLst>
                   <a:ext uri="{0D108BD9-81ED-4DB2-BD59-A6C34878D82A}">
-                    <a16:rowId xmlns:a16="http://schemas.microsoft.com/office/drawing/2014/main" xmlns="" val="1082709746"/>
+                    <a16:rowId xmlns="" xmlns:a16="http://schemas.microsoft.com/office/drawing/2014/main" val="1082709746"/>
                   </a:ext>
                 </a:extLst>
               </a:tr>
@@ -15082,7 +15204,7 @@
                 </a:tc>
                 <a:extLst>
                   <a:ext uri="{0D108BD9-81ED-4DB2-BD59-A6C34878D82A}">
-                    <a16:rowId xmlns:a16="http://schemas.microsoft.com/office/drawing/2014/main" xmlns="" val="2775710438"/>
+                    <a16:rowId xmlns="" xmlns:a16="http://schemas.microsoft.com/office/drawing/2014/main" val="2775710438"/>
                   </a:ext>
                 </a:extLst>
               </a:tr>
@@ -15221,7 +15343,7 @@
                 </a:tc>
                 <a:extLst>
                   <a:ext uri="{0D108BD9-81ED-4DB2-BD59-A6C34878D82A}">
-                    <a16:rowId xmlns:a16="http://schemas.microsoft.com/office/drawing/2014/main" xmlns="" val="3568665967"/>
+                    <a16:rowId xmlns="" xmlns:a16="http://schemas.microsoft.com/office/drawing/2014/main" val="3568665967"/>
                   </a:ext>
                 </a:extLst>
               </a:tr>
@@ -15360,7 +15482,7 @@
                 </a:tc>
                 <a:extLst>
                   <a:ext uri="{0D108BD9-81ED-4DB2-BD59-A6C34878D82A}">
-                    <a16:rowId xmlns:a16="http://schemas.microsoft.com/office/drawing/2014/main" xmlns="" val="1797242548"/>
+                    <a16:rowId xmlns="" xmlns:a16="http://schemas.microsoft.com/office/drawing/2014/main" val="1797242548"/>
                   </a:ext>
                 </a:extLst>
               </a:tr>
@@ -15499,7 +15621,7 @@
                 </a:tc>
                 <a:extLst>
                   <a:ext uri="{0D108BD9-81ED-4DB2-BD59-A6C34878D82A}">
-                    <a16:rowId xmlns:a16="http://schemas.microsoft.com/office/drawing/2014/main" xmlns="" val="2873762223"/>
+                    <a16:rowId xmlns="" xmlns:a16="http://schemas.microsoft.com/office/drawing/2014/main" val="2873762223"/>
                   </a:ext>
                 </a:extLst>
               </a:tr>
@@ -15638,7 +15760,7 @@
                 </a:tc>
                 <a:extLst>
                   <a:ext uri="{0D108BD9-81ED-4DB2-BD59-A6C34878D82A}">
-                    <a16:rowId xmlns:a16="http://schemas.microsoft.com/office/drawing/2014/main" xmlns="" val="2543316417"/>
+                    <a16:rowId xmlns="" xmlns:a16="http://schemas.microsoft.com/office/drawing/2014/main" val="2543316417"/>
                   </a:ext>
                 </a:extLst>
               </a:tr>
@@ -15783,7 +15905,7 @@
                 </a:tc>
                 <a:extLst>
                   <a:ext uri="{0D108BD9-81ED-4DB2-BD59-A6C34878D82A}">
-                    <a16:rowId xmlns:a16="http://schemas.microsoft.com/office/drawing/2014/main" xmlns="" val="559450127"/>
+                    <a16:rowId xmlns="" xmlns:a16="http://schemas.microsoft.com/office/drawing/2014/main" val="559450127"/>
                   </a:ext>
                 </a:extLst>
               </a:tr>
@@ -15850,28 +15972,28 @@
                 <a:gridCol w="1251832">
                   <a:extLst>
                     <a:ext uri="{9D8B030D-6E8A-4147-A177-3AD203B41FA5}">
-                      <a16:colId xmlns:a16="http://schemas.microsoft.com/office/drawing/2014/main" xmlns="" val="30452385"/>
+                      <a16:colId xmlns="" xmlns:a16="http://schemas.microsoft.com/office/drawing/2014/main" val="30452385"/>
                     </a:ext>
                   </a:extLst>
                 </a:gridCol>
                 <a:gridCol w="872990">
                   <a:extLst>
                     <a:ext uri="{9D8B030D-6E8A-4147-A177-3AD203B41FA5}">
-                      <a16:colId xmlns:a16="http://schemas.microsoft.com/office/drawing/2014/main" xmlns="" val="4159750965"/>
+                      <a16:colId xmlns="" xmlns:a16="http://schemas.microsoft.com/office/drawing/2014/main" val="4159750965"/>
                     </a:ext>
                   </a:extLst>
                 </a:gridCol>
                 <a:gridCol w="872990">
                   <a:extLst>
                     <a:ext uri="{9D8B030D-6E8A-4147-A177-3AD203B41FA5}">
-                      <a16:colId xmlns:a16="http://schemas.microsoft.com/office/drawing/2014/main" xmlns="" val="1719609821"/>
+                      <a16:colId xmlns="" xmlns:a16="http://schemas.microsoft.com/office/drawing/2014/main" val="1719609821"/>
                     </a:ext>
                   </a:extLst>
                 </a:gridCol>
                 <a:gridCol w="872990">
                   <a:extLst>
                     <a:ext uri="{9D8B030D-6E8A-4147-A177-3AD203B41FA5}">
-                      <a16:colId xmlns:a16="http://schemas.microsoft.com/office/drawing/2014/main" xmlns="" val="1181055572"/>
+                      <a16:colId xmlns="" xmlns:a16="http://schemas.microsoft.com/office/drawing/2014/main" val="1181055572"/>
                     </a:ext>
                   </a:extLst>
                 </a:gridCol>
@@ -15987,7 +16109,7 @@
                 </a:tc>
                 <a:extLst>
                   <a:ext uri="{0D108BD9-81ED-4DB2-BD59-A6C34878D82A}">
-                    <a16:rowId xmlns:a16="http://schemas.microsoft.com/office/drawing/2014/main" xmlns="" val="3885572283"/>
+                    <a16:rowId xmlns="" xmlns:a16="http://schemas.microsoft.com/office/drawing/2014/main" val="3885572283"/>
                   </a:ext>
                 </a:extLst>
               </a:tr>
@@ -16096,7 +16218,7 @@
                 </a:tc>
                 <a:extLst>
                   <a:ext uri="{0D108BD9-81ED-4DB2-BD59-A6C34878D82A}">
-                    <a16:rowId xmlns:a16="http://schemas.microsoft.com/office/drawing/2014/main" xmlns="" val="3580967046"/>
+                    <a16:rowId xmlns="" xmlns:a16="http://schemas.microsoft.com/office/drawing/2014/main" val="3580967046"/>
                   </a:ext>
                 </a:extLst>
               </a:tr>
@@ -16198,7 +16320,7 @@
                 </a:tc>
                 <a:extLst>
                   <a:ext uri="{0D108BD9-81ED-4DB2-BD59-A6C34878D82A}">
-                    <a16:rowId xmlns:a16="http://schemas.microsoft.com/office/drawing/2014/main" xmlns="" val="2631666142"/>
+                    <a16:rowId xmlns="" xmlns:a16="http://schemas.microsoft.com/office/drawing/2014/main" val="2631666142"/>
                   </a:ext>
                 </a:extLst>
               </a:tr>
@@ -16319,7 +16441,7 @@
                 </a:tc>
                 <a:extLst>
                   <a:ext uri="{0D108BD9-81ED-4DB2-BD59-A6C34878D82A}">
-                    <a16:rowId xmlns:a16="http://schemas.microsoft.com/office/drawing/2014/main" xmlns="" val="1890964213"/>
+                    <a16:rowId xmlns="" xmlns:a16="http://schemas.microsoft.com/office/drawing/2014/main" val="1890964213"/>
                   </a:ext>
                 </a:extLst>
               </a:tr>
@@ -16427,7 +16549,7 @@
                 </a:tc>
                 <a:extLst>
                   <a:ext uri="{0D108BD9-81ED-4DB2-BD59-A6C34878D82A}">
-                    <a16:rowId xmlns:a16="http://schemas.microsoft.com/office/drawing/2014/main" xmlns="" val="2918402068"/>
+                    <a16:rowId xmlns="" xmlns:a16="http://schemas.microsoft.com/office/drawing/2014/main" val="2918402068"/>
                   </a:ext>
                 </a:extLst>
               </a:tr>
@@ -19162,14 +19284,14 @@
                 <a:gridCol w="629487">
                   <a:extLst>
                     <a:ext uri="{9D8B030D-6E8A-4147-A177-3AD203B41FA5}">
-                      <a16:colId xmlns:a16="http://schemas.microsoft.com/office/drawing/2014/main" xmlns="" val="4231184607"/>
+                      <a16:colId xmlns="" xmlns:a16="http://schemas.microsoft.com/office/drawing/2014/main" val="4231184607"/>
                     </a:ext>
                   </a:extLst>
                 </a:gridCol>
                 <a:gridCol w="985804">
                   <a:extLst>
                     <a:ext uri="{9D8B030D-6E8A-4147-A177-3AD203B41FA5}">
-                      <a16:colId xmlns:a16="http://schemas.microsoft.com/office/drawing/2014/main" xmlns="" val="3730070498"/>
+                      <a16:colId xmlns="" xmlns:a16="http://schemas.microsoft.com/office/drawing/2014/main" val="3730070498"/>
                     </a:ext>
                   </a:extLst>
                 </a:gridCol>
@@ -19236,7 +19358,7 @@
                 </a:tc>
                 <a:extLst>
                   <a:ext uri="{0D108BD9-81ED-4DB2-BD59-A6C34878D82A}">
-                    <a16:rowId xmlns:a16="http://schemas.microsoft.com/office/drawing/2014/main" xmlns="" val="575848053"/>
+                    <a16:rowId xmlns="" xmlns:a16="http://schemas.microsoft.com/office/drawing/2014/main" val="575848053"/>
                   </a:ext>
                 </a:extLst>
               </a:tr>
@@ -19302,7 +19424,7 @@
                 </a:tc>
                 <a:extLst>
                   <a:ext uri="{0D108BD9-81ED-4DB2-BD59-A6C34878D82A}">
-                    <a16:rowId xmlns:a16="http://schemas.microsoft.com/office/drawing/2014/main" xmlns="" val="650029791"/>
+                    <a16:rowId xmlns="" xmlns:a16="http://schemas.microsoft.com/office/drawing/2014/main" val="650029791"/>
                   </a:ext>
                 </a:extLst>
               </a:tr>
@@ -19363,7 +19485,7 @@
                 </a:tc>
                 <a:extLst>
                   <a:ext uri="{0D108BD9-81ED-4DB2-BD59-A6C34878D82A}">
-                    <a16:rowId xmlns:a16="http://schemas.microsoft.com/office/drawing/2014/main" xmlns="" val="2761977714"/>
+                    <a16:rowId xmlns="" xmlns:a16="http://schemas.microsoft.com/office/drawing/2014/main" val="2761977714"/>
                   </a:ext>
                 </a:extLst>
               </a:tr>
@@ -19424,7 +19546,7 @@
                 </a:tc>
                 <a:extLst>
                   <a:ext uri="{0D108BD9-81ED-4DB2-BD59-A6C34878D82A}">
-                    <a16:rowId xmlns:a16="http://schemas.microsoft.com/office/drawing/2014/main" xmlns="" val="3652076973"/>
+                    <a16:rowId xmlns="" xmlns:a16="http://schemas.microsoft.com/office/drawing/2014/main" val="3652076973"/>
                   </a:ext>
                 </a:extLst>
               </a:tr>
@@ -19491,14 +19613,14 @@
                 <a:gridCol w="665412">
                   <a:extLst>
                     <a:ext uri="{9D8B030D-6E8A-4147-A177-3AD203B41FA5}">
-                      <a16:colId xmlns:a16="http://schemas.microsoft.com/office/drawing/2014/main" xmlns="" val="4231184607"/>
+                      <a16:colId xmlns="" xmlns:a16="http://schemas.microsoft.com/office/drawing/2014/main" val="4231184607"/>
                     </a:ext>
                   </a:extLst>
                 </a:gridCol>
                 <a:gridCol w="1042059">
                   <a:extLst>
                     <a:ext uri="{9D8B030D-6E8A-4147-A177-3AD203B41FA5}">
-                      <a16:colId xmlns:a16="http://schemas.microsoft.com/office/drawing/2014/main" xmlns="" val="3730070498"/>
+                      <a16:colId xmlns="" xmlns:a16="http://schemas.microsoft.com/office/drawing/2014/main" val="3730070498"/>
                     </a:ext>
                   </a:extLst>
                 </a:gridCol>
@@ -19560,7 +19682,7 @@
                 </a:tc>
                 <a:extLst>
                   <a:ext uri="{0D108BD9-81ED-4DB2-BD59-A6C34878D82A}">
-                    <a16:rowId xmlns:a16="http://schemas.microsoft.com/office/drawing/2014/main" xmlns="" val="575848053"/>
+                    <a16:rowId xmlns="" xmlns:a16="http://schemas.microsoft.com/office/drawing/2014/main" val="575848053"/>
                   </a:ext>
                 </a:extLst>
               </a:tr>
@@ -19621,7 +19743,7 @@
                 </a:tc>
                 <a:extLst>
                   <a:ext uri="{0D108BD9-81ED-4DB2-BD59-A6C34878D82A}">
-                    <a16:rowId xmlns:a16="http://schemas.microsoft.com/office/drawing/2014/main" xmlns="" val="650029791"/>
+                    <a16:rowId xmlns="" xmlns:a16="http://schemas.microsoft.com/office/drawing/2014/main" val="650029791"/>
                   </a:ext>
                 </a:extLst>
               </a:tr>
@@ -19682,7 +19804,7 @@
                 </a:tc>
                 <a:extLst>
                   <a:ext uri="{0D108BD9-81ED-4DB2-BD59-A6C34878D82A}">
-                    <a16:rowId xmlns:a16="http://schemas.microsoft.com/office/drawing/2014/main" xmlns="" val="2761977714"/>
+                    <a16:rowId xmlns="" xmlns:a16="http://schemas.microsoft.com/office/drawing/2014/main" val="2761977714"/>
                   </a:ext>
                 </a:extLst>
               </a:tr>
@@ -19743,7 +19865,7 @@
                 </a:tc>
                 <a:extLst>
                   <a:ext uri="{0D108BD9-81ED-4DB2-BD59-A6C34878D82A}">
-                    <a16:rowId xmlns:a16="http://schemas.microsoft.com/office/drawing/2014/main" xmlns="" val="3652076973"/>
+                    <a16:rowId xmlns="" xmlns:a16="http://schemas.microsoft.com/office/drawing/2014/main" val="3652076973"/>
                   </a:ext>
                 </a:extLst>
               </a:tr>
@@ -28672,9 +28794,227 @@
           <a:chExt cx="0" cy="0"/>
         </a:xfrm>
       </p:grpSpPr>
+      <p:grpSp>
+        <p:nvGrpSpPr>
+          <p:cNvPr id="4" name="그룹 3"/>
+          <p:cNvGrpSpPr/>
+          <p:nvPr/>
+        </p:nvGrpSpPr>
+        <p:grpSpPr>
+          <a:xfrm>
+            <a:off x="0" y="-1"/>
+            <a:ext cx="243840" cy="6858001"/>
+            <a:chOff x="3239595" y="-254001"/>
+            <a:chExt cx="5460521" cy="6858001"/>
+          </a:xfrm>
+        </p:grpSpPr>
+        <p:sp>
+          <p:nvSpPr>
+            <p:cNvPr id="2" name="직사각형 1"/>
+            <p:cNvSpPr/>
+            <p:nvPr/>
+          </p:nvSpPr>
+          <p:spPr>
+            <a:xfrm>
+              <a:off x="3239595" y="-254001"/>
+              <a:ext cx="5460521" cy="4866640"/>
+            </a:xfrm>
+            <a:prstGeom prst="rect">
+              <a:avLst/>
+            </a:prstGeom>
+            <a:solidFill>
+              <a:schemeClr val="accent1"/>
+            </a:solidFill>
+            <a:ln>
+              <a:noFill/>
+            </a:ln>
+          </p:spPr>
+          <p:style>
+            <a:lnRef idx="2">
+              <a:schemeClr val="accent1">
+                <a:shade val="50000"/>
+              </a:schemeClr>
+            </a:lnRef>
+            <a:fillRef idx="1">
+              <a:schemeClr val="accent1"/>
+            </a:fillRef>
+            <a:effectRef idx="0">
+              <a:schemeClr val="accent1"/>
+            </a:effectRef>
+            <a:fontRef idx="minor">
+              <a:schemeClr val="lt1"/>
+            </a:fontRef>
+          </p:style>
+          <p:txBody>
+            <a:bodyPr rtlCol="0" anchor="ctr"/>
+            <a:lstStyle/>
+            <a:p>
+              <a:pPr algn="ctr"/>
+              <a:endParaRPr lang="ko-KR" altLang="en-US" u="sng"/>
+            </a:p>
+          </p:txBody>
+        </p:sp>
+        <p:sp>
+          <p:nvSpPr>
+            <p:cNvPr id="3" name="직사각형 2"/>
+            <p:cNvSpPr/>
+            <p:nvPr/>
+          </p:nvSpPr>
+          <p:spPr>
+            <a:xfrm>
+              <a:off x="3239595" y="4612639"/>
+              <a:ext cx="5460521" cy="1991361"/>
+            </a:xfrm>
+            <a:prstGeom prst="rect">
+              <a:avLst/>
+            </a:prstGeom>
+            <a:solidFill>
+              <a:srgbClr val="002060"/>
+            </a:solidFill>
+            <a:ln>
+              <a:noFill/>
+            </a:ln>
+          </p:spPr>
+          <p:style>
+            <a:lnRef idx="2">
+              <a:schemeClr val="accent1">
+                <a:shade val="50000"/>
+              </a:schemeClr>
+            </a:lnRef>
+            <a:fillRef idx="1">
+              <a:schemeClr val="accent1"/>
+            </a:fillRef>
+            <a:effectRef idx="0">
+              <a:schemeClr val="accent1"/>
+            </a:effectRef>
+            <a:fontRef idx="minor">
+              <a:schemeClr val="lt1"/>
+            </a:fontRef>
+          </p:style>
+          <p:txBody>
+            <a:bodyPr rtlCol="0" anchor="ctr"/>
+            <a:lstStyle/>
+            <a:p>
+              <a:pPr algn="ctr"/>
+              <a:endParaRPr lang="ko-KR" altLang="en-US" u="sng"/>
+            </a:p>
+          </p:txBody>
+        </p:sp>
+      </p:grpSp>
+      <p:cxnSp>
+        <p:nvCxnSpPr>
+          <p:cNvPr id="6" name="직선 연결선 5"/>
+          <p:cNvCxnSpPr/>
+          <p:nvPr/>
+        </p:nvCxnSpPr>
+        <p:spPr>
+          <a:xfrm>
+            <a:off x="396240" y="162560"/>
+            <a:ext cx="1778000" cy="10160"/>
+          </a:xfrm>
+          <a:prstGeom prst="line">
+            <a:avLst/>
+          </a:prstGeom>
+          <a:ln w="38100">
+            <a:solidFill>
+              <a:schemeClr val="accent1"/>
+            </a:solidFill>
+          </a:ln>
+        </p:spPr>
+        <p:style>
+          <a:lnRef idx="1">
+            <a:schemeClr val="accent1"/>
+          </a:lnRef>
+          <a:fillRef idx="0">
+            <a:schemeClr val="accent1"/>
+          </a:fillRef>
+          <a:effectRef idx="0">
+            <a:schemeClr val="accent1"/>
+          </a:effectRef>
+          <a:fontRef idx="minor">
+            <a:schemeClr val="tx1"/>
+          </a:fontRef>
+        </p:style>
+      </p:cxnSp>
       <p:sp>
         <p:nvSpPr>
-          <p:cNvPr id="2" name="TextBox 1"/>
+          <p:cNvPr id="7" name="TextBox 6"/>
+          <p:cNvSpPr txBox="1"/>
+          <p:nvPr/>
+        </p:nvSpPr>
+        <p:spPr>
+          <a:xfrm>
+            <a:off x="396240" y="172720"/>
+            <a:ext cx="1950720" cy="338554"/>
+          </a:xfrm>
+          <a:prstGeom prst="rect">
+            <a:avLst/>
+          </a:prstGeom>
+          <a:noFill/>
+        </p:spPr>
+        <p:txBody>
+          <a:bodyPr wrap="square" rtlCol="0">
+            <a:spAutoFit/>
+          </a:bodyPr>
+          <a:lstStyle/>
+          <a:p>
+            <a:r>
+              <a:rPr lang="en-US" altLang="ko-KR" sz="1600" b="1" dirty="0">
+                <a:solidFill>
+                  <a:schemeClr val="accent1"/>
+                </a:solidFill>
+              </a:rPr>
+              <a:t>HOM</a:t>
+            </a:r>
+            <a:endParaRPr lang="ko-KR" altLang="en-US" sz="1600" b="1" dirty="0">
+              <a:solidFill>
+                <a:schemeClr val="accent1"/>
+              </a:solidFill>
+            </a:endParaRPr>
+          </a:p>
+        </p:txBody>
+      </p:sp>
+      <p:sp>
+        <p:nvSpPr>
+          <p:cNvPr id="9" name="TextBox 8"/>
+          <p:cNvSpPr txBox="1"/>
+          <p:nvPr/>
+        </p:nvSpPr>
+        <p:spPr>
+          <a:xfrm>
+            <a:off x="396240" y="423277"/>
+            <a:ext cx="4236720" cy="461665"/>
+          </a:xfrm>
+          <a:prstGeom prst="rect">
+            <a:avLst/>
+          </a:prstGeom>
+          <a:noFill/>
+        </p:spPr>
+        <p:txBody>
+          <a:bodyPr wrap="square" rtlCol="0">
+            <a:spAutoFit/>
+          </a:bodyPr>
+          <a:lstStyle/>
+          <a:p>
+            <a:r>
+              <a:rPr lang="en-US" altLang="ko-KR" sz="2400" dirty="0">
+                <a:solidFill>
+                  <a:schemeClr val="accent1"/>
+                </a:solidFill>
+              </a:rPr>
+              <a:t>Introduction</a:t>
+            </a:r>
+            <a:endParaRPr lang="ko-KR" altLang="en-US" sz="2400" dirty="0">
+              <a:solidFill>
+                <a:schemeClr val="accent1"/>
+              </a:solidFill>
+            </a:endParaRPr>
+          </a:p>
+        </p:txBody>
+      </p:sp>
+      <p:sp>
+        <p:nvSpPr>
+          <p:cNvPr id="5" name="TextBox 4"/>
           <p:cNvSpPr txBox="1"/>
           <p:nvPr/>
         </p:nvSpPr>
@@ -28713,7 +29053,7 @@
       </p:sp>
       <p:sp>
         <p:nvSpPr>
-          <p:cNvPr id="3" name="TextBox 2"/>
+          <p:cNvPr id="8" name="TextBox 7"/>
           <p:cNvSpPr txBox="1"/>
           <p:nvPr/>
         </p:nvSpPr>
@@ -28751,7 +29091,7 @@
       </p:sp>
       <p:sp>
         <p:nvSpPr>
-          <p:cNvPr id="4" name="TextBox 3"/>
+          <p:cNvPr id="10" name="TextBox 9"/>
           <p:cNvSpPr txBox="1"/>
           <p:nvPr/>
         </p:nvSpPr>
@@ -28790,7 +29130,7 @@
       </p:sp>
       <p:sp>
         <p:nvSpPr>
-          <p:cNvPr id="5" name="TextBox 4"/>
+          <p:cNvPr id="11" name="TextBox 10"/>
           <p:cNvSpPr txBox="1"/>
           <p:nvPr/>
         </p:nvSpPr>
@@ -28882,60 +29222,10 @@
           </a:p>
         </p:txBody>
       </p:sp>
-      <p:sp>
-        <p:nvSpPr>
-          <p:cNvPr id="6" name="직사각형 5"/>
-          <p:cNvSpPr/>
-          <p:nvPr/>
-        </p:nvSpPr>
-        <p:spPr>
-          <a:xfrm>
-            <a:off x="3346538" y="402847"/>
-            <a:ext cx="6096000" cy="646331"/>
-          </a:xfrm>
-          <a:prstGeom prst="rect">
-            <a:avLst/>
-          </a:prstGeom>
-        </p:spPr>
-        <p:txBody>
-          <a:bodyPr>
-            <a:spAutoFit/>
-          </a:bodyPr>
-          <a:lstStyle/>
-          <a:p>
-            <a:pPr lvl="0">
-              <a:defRPr/>
-            </a:pPr>
-            <a:r>
-              <a:rPr lang="ko-KR" altLang="en-US" dirty="0"/>
-              <a:t>종류가 다양해서 사용하기 어렵다</a:t>
-            </a:r>
-            <a:r>
-              <a:rPr lang="en-US" altLang="ko-KR" dirty="0"/>
-              <a:t>.</a:t>
-            </a:r>
-          </a:p>
-          <a:p>
-            <a:r>
-              <a:rPr lang="ko-KR" altLang="en-US" dirty="0" smtClean="0"/>
-              <a:t>또한 센서</a:t>
-            </a:r>
-            <a:r>
-              <a:rPr lang="ko-KR" altLang="en-US" baseline="0" dirty="0" smtClean="0"/>
-              <a:t> 데이터들이 통합되지 않다</a:t>
-            </a:r>
-            <a:r>
-              <a:rPr lang="en-US" altLang="ko-KR" baseline="0" dirty="0" smtClean="0"/>
-              <a:t>.</a:t>
-            </a:r>
-            <a:endParaRPr lang="en-US" altLang="ko-KR" baseline="0" dirty="0"/>
-          </a:p>
-        </p:txBody>
-      </p:sp>
     </p:spTree>
     <p:extLst>
       <p:ext uri="{BB962C8B-B14F-4D97-AF65-F5344CB8AC3E}">
-        <p14:creationId xmlns:p14="http://schemas.microsoft.com/office/powerpoint/2010/main" val="1840539159"/>
+        <p14:creationId xmlns:p14="http://schemas.microsoft.com/office/powerpoint/2010/main" val="1990182703"/>
       </p:ext>
     </p:extLst>
   </p:cSld>
@@ -28966,7 +29256,7 @@
                             </p:stCondLst>
                             <p:childTnLst>
                               <p:par>
-                                <p:cTn id="5" presetID="10" presetClass="entr" presetSubtype="0" fill="hold" grpId="0" nodeType="afterEffect">
+                                <p:cTn id="5" presetID="10" presetClass="entr" presetSubtype="0" fill="hold" nodeType="withEffect">
                                   <p:stCondLst>
                                     <p:cond delay="0"/>
                                   </p:stCondLst>
@@ -28979,7 +29269,7 @@
                                           </p:stCondLst>
                                         </p:cTn>
                                         <p:tgtEl>
-                                          <p:spTgt spid="2"/>
+                                          <p:spTgt spid="6"/>
                                         </p:tgtEl>
                                         <p:attrNameLst>
                                           <p:attrName>style.visibility</p:attrName>
@@ -28993,37 +29283,28 @@
                                       <p:cBhvr>
                                         <p:cTn id="7" dur="500"/>
                                         <p:tgtEl>
-                                          <p:spTgt spid="2"/>
+                                          <p:spTgt spid="6"/>
                                         </p:tgtEl>
                                       </p:cBhvr>
                                     </p:animEffect>
                                   </p:childTnLst>
                                 </p:cTn>
                               </p:par>
-                            </p:childTnLst>
-                          </p:cTn>
-                        </p:par>
-                        <p:par>
-                          <p:cTn id="8" fill="hold">
-                            <p:stCondLst>
-                              <p:cond delay="500"/>
-                            </p:stCondLst>
-                            <p:childTnLst>
                               <p:par>
-                                <p:cTn id="9" presetID="10" presetClass="entr" presetSubtype="0" fill="hold" grpId="0" nodeType="afterEffect">
+                                <p:cTn id="8" presetID="10" presetClass="entr" presetSubtype="0" fill="hold" grpId="0" nodeType="withEffect">
                                   <p:stCondLst>
                                     <p:cond delay="0"/>
                                   </p:stCondLst>
                                   <p:childTnLst>
                                     <p:set>
                                       <p:cBhvr>
-                                        <p:cTn id="10" dur="1" fill="hold">
+                                        <p:cTn id="9" dur="1" fill="hold">
                                           <p:stCondLst>
                                             <p:cond delay="0"/>
                                           </p:stCondLst>
                                         </p:cTn>
                                         <p:tgtEl>
-                                          <p:spTgt spid="3"/>
+                                          <p:spTgt spid="7"/>
                                         </p:tgtEl>
                                         <p:attrNameLst>
                                           <p:attrName>style.visibility</p:attrName>
@@ -29035,39 +29316,30 @@
                                     </p:set>
                                     <p:animEffect transition="in" filter="fade">
                                       <p:cBhvr>
-                                        <p:cTn id="11" dur="500"/>
+                                        <p:cTn id="10" dur="500"/>
                                         <p:tgtEl>
-                                          <p:spTgt spid="3"/>
+                                          <p:spTgt spid="7"/>
                                         </p:tgtEl>
                                       </p:cBhvr>
                                     </p:animEffect>
                                   </p:childTnLst>
                                 </p:cTn>
                               </p:par>
-                            </p:childTnLst>
-                          </p:cTn>
-                        </p:par>
-                        <p:par>
-                          <p:cTn id="12" fill="hold">
-                            <p:stCondLst>
-                              <p:cond delay="1000"/>
-                            </p:stCondLst>
-                            <p:childTnLst>
                               <p:par>
-                                <p:cTn id="13" presetID="10" presetClass="entr" presetSubtype="0" fill="hold" grpId="0" nodeType="afterEffect">
+                                <p:cTn id="11" presetID="10" presetClass="entr" presetSubtype="0" fill="hold" grpId="0" nodeType="withEffect">
                                   <p:stCondLst>
                                     <p:cond delay="0"/>
                                   </p:stCondLst>
                                   <p:childTnLst>
                                     <p:set>
                                       <p:cBhvr>
-                                        <p:cTn id="14" dur="1" fill="hold">
+                                        <p:cTn id="12" dur="1" fill="hold">
                                           <p:stCondLst>
                                             <p:cond delay="0"/>
                                           </p:stCondLst>
                                         </p:cTn>
                                         <p:tgtEl>
-                                          <p:spTgt spid="4"/>
+                                          <p:spTgt spid="9"/>
                                         </p:tgtEl>
                                         <p:attrNameLst>
                                           <p:attrName>style.visibility</p:attrName>
@@ -29079,9 +29351,9 @@
                                     </p:set>
                                     <p:animEffect transition="in" filter="fade">
                                       <p:cBhvr>
-                                        <p:cTn id="15" dur="500"/>
+                                        <p:cTn id="13" dur="500"/>
                                         <p:tgtEl>
-                                          <p:spTgt spid="4"/>
+                                          <p:spTgt spid="9"/>
                                         </p:tgtEl>
                                       </p:cBhvr>
                                     </p:animEffect>
@@ -29092,20 +29364,20 @@
                           </p:cTn>
                         </p:par>
                         <p:par>
-                          <p:cTn id="16" fill="hold">
+                          <p:cTn id="14" fill="hold">
                             <p:stCondLst>
-                              <p:cond delay="1500"/>
+                              <p:cond delay="500"/>
                             </p:stCondLst>
                             <p:childTnLst>
                               <p:par>
-                                <p:cTn id="17" presetID="10" presetClass="entr" presetSubtype="0" fill="hold" grpId="0" nodeType="afterEffect">
+                                <p:cTn id="15" presetID="10" presetClass="entr" presetSubtype="0" fill="hold" grpId="0" nodeType="afterEffect">
                                   <p:stCondLst>
                                     <p:cond delay="0"/>
                                   </p:stCondLst>
                                   <p:childTnLst>
                                     <p:set>
                                       <p:cBhvr>
-                                        <p:cTn id="18" dur="1" fill="hold">
+                                        <p:cTn id="16" dur="1" fill="hold">
                                           <p:stCondLst>
                                             <p:cond delay="0"/>
                                           </p:stCondLst>
@@ -29123,9 +29395,141 @@
                                     </p:set>
                                     <p:animEffect transition="in" filter="fade">
                                       <p:cBhvr>
-                                        <p:cTn id="19" dur="500"/>
+                                        <p:cTn id="17" dur="500"/>
                                         <p:tgtEl>
                                           <p:spTgt spid="5"/>
+                                        </p:tgtEl>
+                                      </p:cBhvr>
+                                    </p:animEffect>
+                                  </p:childTnLst>
+                                </p:cTn>
+                              </p:par>
+                            </p:childTnLst>
+                          </p:cTn>
+                        </p:par>
+                        <p:par>
+                          <p:cTn id="18" fill="hold">
+                            <p:stCondLst>
+                              <p:cond delay="1000"/>
+                            </p:stCondLst>
+                            <p:childTnLst>
+                              <p:par>
+                                <p:cTn id="19" presetID="10" presetClass="entr" presetSubtype="0" fill="hold" grpId="0" nodeType="afterEffect">
+                                  <p:stCondLst>
+                                    <p:cond delay="0"/>
+                                  </p:stCondLst>
+                                  <p:childTnLst>
+                                    <p:set>
+                                      <p:cBhvr>
+                                        <p:cTn id="20" dur="1" fill="hold">
+                                          <p:stCondLst>
+                                            <p:cond delay="0"/>
+                                          </p:stCondLst>
+                                        </p:cTn>
+                                        <p:tgtEl>
+                                          <p:spTgt spid="8"/>
+                                        </p:tgtEl>
+                                        <p:attrNameLst>
+                                          <p:attrName>style.visibility</p:attrName>
+                                        </p:attrNameLst>
+                                      </p:cBhvr>
+                                      <p:to>
+                                        <p:strVal val="visible"/>
+                                      </p:to>
+                                    </p:set>
+                                    <p:animEffect transition="in" filter="fade">
+                                      <p:cBhvr>
+                                        <p:cTn id="21" dur="500"/>
+                                        <p:tgtEl>
+                                          <p:spTgt spid="8"/>
+                                        </p:tgtEl>
+                                      </p:cBhvr>
+                                    </p:animEffect>
+                                  </p:childTnLst>
+                                </p:cTn>
+                              </p:par>
+                            </p:childTnLst>
+                          </p:cTn>
+                        </p:par>
+                        <p:par>
+                          <p:cTn id="22" fill="hold">
+                            <p:stCondLst>
+                              <p:cond delay="1500"/>
+                            </p:stCondLst>
+                            <p:childTnLst>
+                              <p:par>
+                                <p:cTn id="23" presetID="10" presetClass="entr" presetSubtype="0" fill="hold" grpId="0" nodeType="afterEffect">
+                                  <p:stCondLst>
+                                    <p:cond delay="0"/>
+                                  </p:stCondLst>
+                                  <p:childTnLst>
+                                    <p:set>
+                                      <p:cBhvr>
+                                        <p:cTn id="24" dur="1" fill="hold">
+                                          <p:stCondLst>
+                                            <p:cond delay="0"/>
+                                          </p:stCondLst>
+                                        </p:cTn>
+                                        <p:tgtEl>
+                                          <p:spTgt spid="10"/>
+                                        </p:tgtEl>
+                                        <p:attrNameLst>
+                                          <p:attrName>style.visibility</p:attrName>
+                                        </p:attrNameLst>
+                                      </p:cBhvr>
+                                      <p:to>
+                                        <p:strVal val="visible"/>
+                                      </p:to>
+                                    </p:set>
+                                    <p:animEffect transition="in" filter="fade">
+                                      <p:cBhvr>
+                                        <p:cTn id="25" dur="500"/>
+                                        <p:tgtEl>
+                                          <p:spTgt spid="10"/>
+                                        </p:tgtEl>
+                                      </p:cBhvr>
+                                    </p:animEffect>
+                                  </p:childTnLst>
+                                </p:cTn>
+                              </p:par>
+                            </p:childTnLst>
+                          </p:cTn>
+                        </p:par>
+                        <p:par>
+                          <p:cTn id="26" fill="hold">
+                            <p:stCondLst>
+                              <p:cond delay="2000"/>
+                            </p:stCondLst>
+                            <p:childTnLst>
+                              <p:par>
+                                <p:cTn id="27" presetID="10" presetClass="entr" presetSubtype="0" fill="hold" grpId="0" nodeType="afterEffect">
+                                  <p:stCondLst>
+                                    <p:cond delay="0"/>
+                                  </p:stCondLst>
+                                  <p:childTnLst>
+                                    <p:set>
+                                      <p:cBhvr>
+                                        <p:cTn id="28" dur="1" fill="hold">
+                                          <p:stCondLst>
+                                            <p:cond delay="0"/>
+                                          </p:stCondLst>
+                                        </p:cTn>
+                                        <p:tgtEl>
+                                          <p:spTgt spid="11"/>
+                                        </p:tgtEl>
+                                        <p:attrNameLst>
+                                          <p:attrName>style.visibility</p:attrName>
+                                        </p:attrNameLst>
+                                      </p:cBhvr>
+                                      <p:to>
+                                        <p:strVal val="visible"/>
+                                      </p:to>
+                                    </p:set>
+                                    <p:animEffect transition="in" filter="fade">
+                                      <p:cBhvr>
+                                        <p:cTn id="29" dur="500"/>
+                                        <p:tgtEl>
+                                          <p:spTgt spid="11"/>
                                         </p:tgtEl>
                                       </p:cBhvr>
                                     </p:animEffect>
@@ -29160,10 +29564,12 @@
       </p:par>
     </p:tnLst>
     <p:bldLst>
-      <p:bldP spid="2" grpId="0"/>
-      <p:bldP spid="3" grpId="0"/>
-      <p:bldP spid="4" grpId="0"/>
+      <p:bldP spid="7" grpId="0"/>
+      <p:bldP spid="9" grpId="0"/>
       <p:bldP spid="5" grpId="0"/>
+      <p:bldP spid="8" grpId="0"/>
+      <p:bldP spid="10" grpId="0"/>
+      <p:bldP spid="11" grpId="0"/>
     </p:bldLst>
   </p:timing>
 </p:sld>
